--- a/cognitive-ecommercev0.1.pptx
+++ b/cognitive-ecommercev0.1.pptx
@@ -10,6 +10,7 @@
     <p:sldId id="259" r:id="rId4"/>
     <p:sldId id="260" r:id="rId5"/>
     <p:sldId id="261" r:id="rId6"/>
+    <p:sldId id="262" r:id="rId7"/>
   </p:sldIdLst>
   <p:sldSz cx="12192000" cy="6858000"/>
   <p:notesSz cx="6858000" cy="9144000"/>
@@ -114,6 +115,10 @@
     </p:ext>
   </p:extLst>
 </p:presentation>
+</file>
+
+<file path=ppt/revisionInfo.xml><?xml version="1.0" encoding="utf-8"?>
+<p1510:revInfo xmlns:a="http://schemas.openxmlformats.org/drawingml/2006/main" xmlns:r="http://schemas.openxmlformats.org/officeDocument/2006/relationships" xmlns:p1510="http://schemas.microsoft.com/office/powerpoint/2015/10/main"/>
 </file>
 
 <file path=ppt/diagrams/colors1.xml><?xml version="1.0" encoding="utf-8"?>
@@ -3628,8 +3633,8 @@
       </dsp:nvSpPr>
       <dsp:spPr>
         <a:xfrm>
-          <a:off x="0" y="72400"/>
-          <a:ext cx="6259942" cy="397800"/>
+          <a:off x="0" y="77934"/>
+          <a:ext cx="6259942" cy="399975"/>
         </a:xfrm>
         <a:prstGeom prst="roundRect">
           <a:avLst/>
@@ -3694,8 +3699,8 @@
         </a:p>
       </dsp:txBody>
       <dsp:txXfrm>
-        <a:off x="19419" y="91819"/>
-        <a:ext cx="6221104" cy="358962"/>
+        <a:off x="19525" y="97459"/>
+        <a:ext cx="6220892" cy="360925"/>
       </dsp:txXfrm>
     </dsp:sp>
     <dsp:sp modelId="{A946E082-9ADE-4755-B5BB-EDDA48E45139}">
@@ -3705,7 +3710,7 @@
       </dsp:nvSpPr>
       <dsp:spPr>
         <a:xfrm>
-          <a:off x="0" y="470200"/>
+          <a:off x="0" y="477910"/>
           <a:ext cx="6259942" cy="826965"/>
         </a:xfrm>
         <a:prstGeom prst="rect">
@@ -3808,7 +3813,7 @@
         </a:p>
       </dsp:txBody>
       <dsp:txXfrm>
-        <a:off x="0" y="470200"/>
+        <a:off x="0" y="477910"/>
         <a:ext cx="6259942" cy="826965"/>
       </dsp:txXfrm>
     </dsp:sp>
@@ -3819,8 +3824,8 @@
       </dsp:nvSpPr>
       <dsp:spPr>
         <a:xfrm>
-          <a:off x="0" y="1297165"/>
-          <a:ext cx="6259942" cy="397800"/>
+          <a:off x="0" y="1304875"/>
+          <a:ext cx="6259942" cy="399975"/>
         </a:xfrm>
         <a:prstGeom prst="roundRect">
           <a:avLst/>
@@ -3885,8 +3890,8 @@
         </a:p>
       </dsp:txBody>
       <dsp:txXfrm>
-        <a:off x="19419" y="1316584"/>
-        <a:ext cx="6221104" cy="358962"/>
+        <a:off x="19525" y="1324400"/>
+        <a:ext cx="6220892" cy="360925"/>
       </dsp:txXfrm>
     </dsp:sp>
     <dsp:sp modelId="{73E0D62A-98ED-4BF1-B3ED-3221EB6F2BFA}">
@@ -3896,7 +3901,7 @@
       </dsp:nvSpPr>
       <dsp:spPr>
         <a:xfrm>
-          <a:off x="0" y="1694965"/>
+          <a:off x="0" y="1704850"/>
           <a:ext cx="6259942" cy="791775"/>
         </a:xfrm>
         <a:prstGeom prst="rect">
@@ -3981,7 +3986,7 @@
         </a:p>
       </dsp:txBody>
       <dsp:txXfrm>
-        <a:off x="0" y="1694965"/>
+        <a:off x="0" y="1704850"/>
         <a:ext cx="6259942" cy="791775"/>
       </dsp:txXfrm>
     </dsp:sp>
@@ -3992,8 +3997,8 @@
       </dsp:nvSpPr>
       <dsp:spPr>
         <a:xfrm>
-          <a:off x="0" y="2486740"/>
-          <a:ext cx="6259942" cy="397800"/>
+          <a:off x="0" y="2496625"/>
+          <a:ext cx="6259942" cy="399975"/>
         </a:xfrm>
         <a:prstGeom prst="roundRect">
           <a:avLst/>
@@ -4058,8 +4063,8 @@
         </a:p>
       </dsp:txBody>
       <dsp:txXfrm>
-        <a:off x="19419" y="2506159"/>
-        <a:ext cx="6221104" cy="358962"/>
+        <a:off x="19525" y="2516150"/>
+        <a:ext cx="6220892" cy="360925"/>
       </dsp:txXfrm>
     </dsp:sp>
     <dsp:sp modelId="{F5D577ED-9CCD-4A9A-B1AC-81B67E98283D}">
@@ -4069,8 +4074,8 @@
       </dsp:nvSpPr>
       <dsp:spPr>
         <a:xfrm>
-          <a:off x="0" y="2884540"/>
-          <a:ext cx="6259942" cy="580635"/>
+          <a:off x="0" y="2896601"/>
+          <a:ext cx="6259942" cy="563040"/>
         </a:xfrm>
         <a:prstGeom prst="rect">
           <a:avLst/>
@@ -4154,8 +4159,8 @@
         </a:p>
       </dsp:txBody>
       <dsp:txXfrm>
-        <a:off x="0" y="2884540"/>
-        <a:ext cx="6259942" cy="580635"/>
+        <a:off x="0" y="2896601"/>
+        <a:ext cx="6259942" cy="563040"/>
       </dsp:txXfrm>
     </dsp:sp>
   </dsp:spTree>
@@ -13985,6 +13990,161 @@
 </p:sld>
 </file>
 
+<file path=ppt/slides/slide6.xml><?xml version="1.0" encoding="utf-8"?>
+<p:sld xmlns:a="http://schemas.openxmlformats.org/drawingml/2006/main" xmlns:r="http://schemas.openxmlformats.org/officeDocument/2006/relationships" xmlns:p="http://schemas.openxmlformats.org/presentationml/2006/main">
+  <p:cSld>
+    <p:spTree>
+      <p:nvGrpSpPr>
+        <p:cNvPr id="1" name=""/>
+        <p:cNvGrpSpPr/>
+        <p:nvPr/>
+      </p:nvGrpSpPr>
+      <p:grpSpPr>
+        <a:xfrm>
+          <a:off x="0" y="0"/>
+          <a:ext cx="0" cy="0"/>
+          <a:chOff x="0" y="0"/>
+          <a:chExt cx="0" cy="0"/>
+        </a:xfrm>
+      </p:grpSpPr>
+      <p:sp>
+        <p:nvSpPr>
+          <p:cNvPr id="2" name="Title 1">
+            <a:extLst>
+              <a:ext uri="{FF2B5EF4-FFF2-40B4-BE49-F238E27FC236}">
+                <a16:creationId xmlns:a16="http://schemas.microsoft.com/office/drawing/2014/main" id="{CD143BA3-9AE9-4395-872D-FF5156A38F32}"/>
+              </a:ext>
+            </a:extLst>
+          </p:cNvPr>
+          <p:cNvSpPr>
+            <a:spLocks noGrp="1"/>
+          </p:cNvSpPr>
+          <p:nvPr>
+            <p:ph type="title"/>
+          </p:nvPr>
+        </p:nvSpPr>
+        <p:spPr/>
+        <p:txBody>
+          <a:bodyPr>
+            <a:normAutofit fontScale="90000"/>
+          </a:bodyPr>
+          <a:lstStyle/>
+          <a:p>
+            <a:r>
+              <a:rPr lang="en-US" dirty="0"/>
+              <a:t>Online Grocery Challenges (Need example of how ML can </a:t>
+            </a:r>
+            <a:r>
+              <a:rPr lang="en-US"/>
+              <a:t>solve this) </a:t>
+            </a:r>
+            <a:endParaRPr lang="en-GB" dirty="0"/>
+          </a:p>
+        </p:txBody>
+      </p:sp>
+      <p:sp>
+        <p:nvSpPr>
+          <p:cNvPr id="3" name="Content Placeholder 2">
+            <a:extLst>
+              <a:ext uri="{FF2B5EF4-FFF2-40B4-BE49-F238E27FC236}">
+                <a16:creationId xmlns:a16="http://schemas.microsoft.com/office/drawing/2014/main" id="{FA1D0EB7-3C05-4315-B472-3A8572DD1660}"/>
+              </a:ext>
+            </a:extLst>
+          </p:cNvPr>
+          <p:cNvSpPr>
+            <a:spLocks noGrp="1"/>
+          </p:cNvSpPr>
+          <p:nvPr>
+            <p:ph idx="1"/>
+          </p:nvPr>
+        </p:nvSpPr>
+        <p:spPr/>
+        <p:txBody>
+          <a:bodyPr>
+            <a:normAutofit fontScale="77500" lnSpcReduction="20000"/>
+          </a:bodyPr>
+          <a:lstStyle/>
+          <a:p>
+            <a:r>
+              <a:rPr lang="en-US" dirty="0" err="1"/>
+              <a:t>MarketPlace</a:t>
+            </a:r>
+            <a:r>
+              <a:rPr lang="en-US" dirty="0"/>
+              <a:t> forecasting : To predict food/grocery demand supply, use predictive capabilities of AI in forecasting inventory needs</a:t>
+            </a:r>
+          </a:p>
+          <a:p>
+            <a:r>
+              <a:rPr lang="en-US" dirty="0"/>
+              <a:t>Pricing: Grocery is price sensitive, determining prices of products based on internal and external factors </a:t>
+            </a:r>
+          </a:p>
+          <a:p>
+            <a:pPr marL="0" indent="0">
+              <a:buNone/>
+            </a:pPr>
+            <a:r>
+              <a:rPr lang="en-US" dirty="0"/>
+              <a:t>     - Automatically changes pricing depending on freshness</a:t>
+            </a:r>
+          </a:p>
+          <a:p>
+            <a:pPr marL="0" indent="0">
+              <a:buNone/>
+            </a:pPr>
+            <a:r>
+              <a:rPr lang="en-US" dirty="0"/>
+              <a:t>     - Stale inventory alert and price drop synchronization  </a:t>
+            </a:r>
+          </a:p>
+          <a:p>
+            <a:pPr marL="0" indent="0">
+              <a:buNone/>
+            </a:pPr>
+            <a:r>
+              <a:rPr lang="en-US" dirty="0"/>
+              <a:t>- Connect to market feed and compare pricing and generate alerts</a:t>
+            </a:r>
+          </a:p>
+          <a:p>
+            <a:pPr>
+              <a:buFontTx/>
+              <a:buChar char="-"/>
+            </a:pPr>
+            <a:r>
+              <a:rPr lang="en-US" dirty="0"/>
+              <a:t>Scanning product images through HD camera (IOT) and report errors to admin in store (Fog Computing)</a:t>
+            </a:r>
+          </a:p>
+          <a:p>
+            <a:pPr>
+              <a:buFontTx/>
+              <a:buChar char="-"/>
+            </a:pPr>
+            <a:r>
+              <a:rPr lang="en-US" dirty="0"/>
+              <a:t> </a:t>
+            </a:r>
+          </a:p>
+          <a:p>
+            <a:endParaRPr lang="en-GB" dirty="0"/>
+          </a:p>
+        </p:txBody>
+      </p:sp>
+    </p:spTree>
+    <p:extLst>
+      <p:ext uri="{BB962C8B-B14F-4D97-AF65-F5344CB8AC3E}">
+        <p14:creationId xmlns:p14="http://schemas.microsoft.com/office/powerpoint/2010/main" val="4202584604"/>
+      </p:ext>
+    </p:extLst>
+  </p:cSld>
+  <p:clrMapOvr>
+    <a:masterClrMapping/>
+  </p:clrMapOvr>
+</p:sld>
+</file>
+
 <file path=ppt/theme/theme1.xml><?xml version="1.0" encoding="utf-8"?>
 <a:theme xmlns:a="http://schemas.openxmlformats.org/drawingml/2006/main" name="Organic">
   <a:themeElements>

--- a/cognitive-ecommercev0.1.pptx
+++ b/cognitive-ecommercev0.1.pptx
@@ -11,6 +11,9 @@
     <p:sldId id="260" r:id="rId5"/>
     <p:sldId id="261" r:id="rId6"/>
     <p:sldId id="262" r:id="rId7"/>
+    <p:sldId id="263" r:id="rId8"/>
+    <p:sldId id="264" r:id="rId9"/>
+    <p:sldId id="265" r:id="rId10"/>
   </p:sldIdLst>
   <p:sldSz cx="12192000" cy="6858000"/>
   <p:notesSz cx="6858000" cy="9144000"/>
@@ -14032,11 +14035,7 @@
           <a:p>
             <a:r>
               <a:rPr lang="en-US" dirty="0"/>
-              <a:t>Online Grocery Challenges (Need example of how ML can </a:t>
-            </a:r>
-            <a:r>
-              <a:rPr lang="en-US"/>
-              <a:t>solve this) </a:t>
+              <a:t>Online Grocery Challenges (Need example of how ML can solve this and how it is different from is done now) </a:t>
             </a:r>
             <a:endParaRPr lang="en-GB" dirty="0"/>
           </a:p>
@@ -14061,7 +14060,7 @@
         <p:spPr/>
         <p:txBody>
           <a:bodyPr>
-            <a:normAutofit fontScale="77500" lnSpcReduction="20000"/>
+            <a:normAutofit fontScale="62500" lnSpcReduction="20000"/>
           </a:bodyPr>
           <a:lstStyle/>
           <a:p>
@@ -14081,12 +14080,18 @@
             </a:r>
           </a:p>
           <a:p>
+            <a:r>
+              <a:rPr lang="en-US" dirty="0"/>
+              <a:t>Instead of rule-bases pricing and forecasting which is static , ML enables it dynamic, &lt; need to showcase it&gt;</a:t>
+            </a:r>
+          </a:p>
+          <a:p>
             <a:pPr marL="0" indent="0">
               <a:buNone/>
             </a:pPr>
             <a:r>
               <a:rPr lang="en-US" dirty="0"/>
-              <a:t>     - Automatically changes pricing depending on freshness</a:t>
+              <a:t>     - Automatically changes pricing depending on dynamic factors</a:t>
             </a:r>
           </a:p>
           <a:p>
@@ -14095,7 +14100,7 @@
             </a:pPr>
             <a:r>
               <a:rPr lang="en-US" dirty="0"/>
-              <a:t>     - Stale inventory alert and price drop synchronization  </a:t>
+              <a:t>     - Stale inventory alert and price drop synchronization</a:t>
             </a:r>
           </a:p>
           <a:p>
@@ -14124,8 +14129,34 @@
             </a:pPr>
             <a:r>
               <a:rPr lang="en-US" dirty="0"/>
-              <a:t> </a:t>
+              <a:t> In-store specific promotion to regional promotion</a:t>
             </a:r>
+          </a:p>
+          <a:p>
+            <a:pPr>
+              <a:buFontTx/>
+              <a:buChar char="-"/>
+            </a:pPr>
+            <a:r>
+              <a:rPr lang="en-US" dirty="0"/>
+              <a:t>Predicting surge in demand</a:t>
+            </a:r>
+          </a:p>
+          <a:p>
+            <a:pPr>
+              <a:buFontTx/>
+              <a:buChar char="-"/>
+            </a:pPr>
+            <a:r>
+              <a:rPr lang="en-US" dirty="0"/>
+              <a:t>Offline </a:t>
+            </a:r>
+          </a:p>
+          <a:p>
+            <a:pPr marL="0" indent="0">
+              <a:buNone/>
+            </a:pPr>
+            <a:endParaRPr lang="en-US" dirty="0"/>
           </a:p>
           <a:p>
             <a:endParaRPr lang="en-GB" dirty="0"/>
@@ -14136,6 +14167,294 @@
     <p:extLst>
       <p:ext uri="{BB962C8B-B14F-4D97-AF65-F5344CB8AC3E}">
         <p14:creationId xmlns:p14="http://schemas.microsoft.com/office/powerpoint/2010/main" val="4202584604"/>
+      </p:ext>
+    </p:extLst>
+  </p:cSld>
+  <p:clrMapOvr>
+    <a:masterClrMapping/>
+  </p:clrMapOvr>
+</p:sld>
+</file>
+
+<file path=ppt/slides/slide7.xml><?xml version="1.0" encoding="utf-8"?>
+<p:sld xmlns:a="http://schemas.openxmlformats.org/drawingml/2006/main" xmlns:r="http://schemas.openxmlformats.org/officeDocument/2006/relationships" xmlns:p="http://schemas.openxmlformats.org/presentationml/2006/main">
+  <p:cSld>
+    <p:spTree>
+      <p:nvGrpSpPr>
+        <p:cNvPr id="1" name=""/>
+        <p:cNvGrpSpPr/>
+        <p:nvPr/>
+      </p:nvGrpSpPr>
+      <p:grpSpPr>
+        <a:xfrm>
+          <a:off x="0" y="0"/>
+          <a:ext cx="0" cy="0"/>
+          <a:chOff x="0" y="0"/>
+          <a:chExt cx="0" cy="0"/>
+        </a:xfrm>
+      </p:grpSpPr>
+      <p:sp>
+        <p:nvSpPr>
+          <p:cNvPr id="2" name="Title 1">
+            <a:extLst>
+              <a:ext uri="{FF2B5EF4-FFF2-40B4-BE49-F238E27FC236}">
+                <a16:creationId xmlns:a16="http://schemas.microsoft.com/office/drawing/2014/main" id="{2C67B0CB-6FDD-45F4-9339-4C61D0A653F3}"/>
+              </a:ext>
+            </a:extLst>
+          </p:cNvPr>
+          <p:cNvSpPr>
+            <a:spLocks noGrp="1"/>
+          </p:cNvSpPr>
+          <p:nvPr>
+            <p:ph type="title"/>
+          </p:nvPr>
+        </p:nvSpPr>
+        <p:spPr/>
+        <p:txBody>
+          <a:bodyPr>
+            <a:normAutofit fontScale="90000"/>
+          </a:bodyPr>
+          <a:lstStyle/>
+          <a:p>
+            <a:r>
+              <a:rPr lang="en-US" dirty="0"/>
+              <a:t>&lt;Add Deep Dive into one area, Dynamic pricing or Inventory Forecasting&gt;</a:t>
+            </a:r>
+            <a:endParaRPr lang="en-GB" dirty="0"/>
+          </a:p>
+        </p:txBody>
+      </p:sp>
+      <p:sp>
+        <p:nvSpPr>
+          <p:cNvPr id="3" name="Content Placeholder 2">
+            <a:extLst>
+              <a:ext uri="{FF2B5EF4-FFF2-40B4-BE49-F238E27FC236}">
+                <a16:creationId xmlns:a16="http://schemas.microsoft.com/office/drawing/2014/main" id="{F11E30B7-CE4F-42B3-966D-47150B1C44FA}"/>
+              </a:ext>
+            </a:extLst>
+          </p:cNvPr>
+          <p:cNvSpPr>
+            <a:spLocks noGrp="1"/>
+          </p:cNvSpPr>
+          <p:nvPr>
+            <p:ph idx="1"/>
+          </p:nvPr>
+        </p:nvSpPr>
+        <p:spPr/>
+        <p:txBody>
+          <a:bodyPr/>
+          <a:lstStyle/>
+          <a:p>
+            <a:r>
+              <a:rPr lang="en-US" dirty="0"/>
+              <a:t>Use </a:t>
+            </a:r>
+            <a:r>
+              <a:rPr lang="en-US" dirty="0" err="1"/>
+              <a:t>Rosemmon</a:t>
+            </a:r>
+            <a:r>
+              <a:rPr lang="en-US" dirty="0"/>
+              <a:t> data from Kaggle to build model showcase actual vs </a:t>
+            </a:r>
+            <a:r>
+              <a:rPr lang="en-US" dirty="0" err="1"/>
+              <a:t>ai</a:t>
+            </a:r>
+            <a:r>
+              <a:rPr lang="en-US" dirty="0"/>
+              <a:t> driven forecasting</a:t>
+            </a:r>
+            <a:endParaRPr lang="en-GB" dirty="0"/>
+          </a:p>
+        </p:txBody>
+      </p:sp>
+    </p:spTree>
+    <p:extLst>
+      <p:ext uri="{BB962C8B-B14F-4D97-AF65-F5344CB8AC3E}">
+        <p14:creationId xmlns:p14="http://schemas.microsoft.com/office/powerpoint/2010/main" val="1095941139"/>
+      </p:ext>
+    </p:extLst>
+  </p:cSld>
+  <p:clrMapOvr>
+    <a:masterClrMapping/>
+  </p:clrMapOvr>
+</p:sld>
+</file>
+
+<file path=ppt/slides/slide8.xml><?xml version="1.0" encoding="utf-8"?>
+<p:sld xmlns:a="http://schemas.openxmlformats.org/drawingml/2006/main" xmlns:r="http://schemas.openxmlformats.org/officeDocument/2006/relationships" xmlns:p="http://schemas.openxmlformats.org/presentationml/2006/main">
+  <p:cSld>
+    <p:spTree>
+      <p:nvGrpSpPr>
+        <p:cNvPr id="1" name=""/>
+        <p:cNvGrpSpPr/>
+        <p:nvPr/>
+      </p:nvGrpSpPr>
+      <p:grpSpPr>
+        <a:xfrm>
+          <a:off x="0" y="0"/>
+          <a:ext cx="0" cy="0"/>
+          <a:chOff x="0" y="0"/>
+          <a:chExt cx="0" cy="0"/>
+        </a:xfrm>
+      </p:grpSpPr>
+      <p:sp>
+        <p:nvSpPr>
+          <p:cNvPr id="2" name="Title 1">
+            <a:extLst>
+              <a:ext uri="{FF2B5EF4-FFF2-40B4-BE49-F238E27FC236}">
+                <a16:creationId xmlns:a16="http://schemas.microsoft.com/office/drawing/2014/main" id="{10A7F64F-5403-47B5-8E0F-80AC9159C18D}"/>
+              </a:ext>
+            </a:extLst>
+          </p:cNvPr>
+          <p:cNvSpPr>
+            <a:spLocks noGrp="1"/>
+          </p:cNvSpPr>
+          <p:nvPr>
+            <p:ph type="title"/>
+          </p:nvPr>
+        </p:nvSpPr>
+        <p:spPr/>
+        <p:txBody>
+          <a:bodyPr/>
+          <a:lstStyle/>
+          <a:p>
+            <a:r>
+              <a:rPr lang="en-US" dirty="0"/>
+              <a:t>&lt;Showcase solution Demo&gt;</a:t>
+            </a:r>
+            <a:endParaRPr lang="en-GB" dirty="0"/>
+          </a:p>
+        </p:txBody>
+      </p:sp>
+      <p:sp>
+        <p:nvSpPr>
+          <p:cNvPr id="3" name="Content Placeholder 2">
+            <a:extLst>
+              <a:ext uri="{FF2B5EF4-FFF2-40B4-BE49-F238E27FC236}">
+                <a16:creationId xmlns:a16="http://schemas.microsoft.com/office/drawing/2014/main" id="{DBEA78E0-21A9-4D71-B177-20E6E1B927E3}"/>
+              </a:ext>
+            </a:extLst>
+          </p:cNvPr>
+          <p:cNvSpPr>
+            <a:spLocks noGrp="1"/>
+          </p:cNvSpPr>
+          <p:nvPr>
+            <p:ph idx="1"/>
+          </p:nvPr>
+        </p:nvSpPr>
+        <p:spPr/>
+        <p:txBody>
+          <a:bodyPr/>
+          <a:lstStyle/>
+          <a:p>
+            <a:r>
+              <a:rPr lang="en-US" dirty="0"/>
+              <a:t>Showcase running model on notebook (</a:t>
+            </a:r>
+            <a:r>
+              <a:rPr lang="en-US" dirty="0" err="1"/>
+              <a:t>Jupyter</a:t>
+            </a:r>
+            <a:r>
+              <a:rPr lang="en-US" dirty="0"/>
+              <a:t>)</a:t>
+            </a:r>
+            <a:endParaRPr lang="en-GB" dirty="0"/>
+          </a:p>
+        </p:txBody>
+      </p:sp>
+    </p:spTree>
+    <p:extLst>
+      <p:ext uri="{BB962C8B-B14F-4D97-AF65-F5344CB8AC3E}">
+        <p14:creationId xmlns:p14="http://schemas.microsoft.com/office/powerpoint/2010/main" val="1767916031"/>
+      </p:ext>
+    </p:extLst>
+  </p:cSld>
+  <p:clrMapOvr>
+    <a:masterClrMapping/>
+  </p:clrMapOvr>
+</p:sld>
+</file>
+
+<file path=ppt/slides/slide9.xml><?xml version="1.0" encoding="utf-8"?>
+<p:sld xmlns:a="http://schemas.openxmlformats.org/drawingml/2006/main" xmlns:r="http://schemas.openxmlformats.org/officeDocument/2006/relationships" xmlns:p="http://schemas.openxmlformats.org/presentationml/2006/main">
+  <p:cSld>
+    <p:spTree>
+      <p:nvGrpSpPr>
+        <p:cNvPr id="1" name=""/>
+        <p:cNvGrpSpPr/>
+        <p:nvPr/>
+      </p:nvGrpSpPr>
+      <p:grpSpPr>
+        <a:xfrm>
+          <a:off x="0" y="0"/>
+          <a:ext cx="0" cy="0"/>
+          <a:chOff x="0" y="0"/>
+          <a:chExt cx="0" cy="0"/>
+        </a:xfrm>
+      </p:grpSpPr>
+      <p:sp>
+        <p:nvSpPr>
+          <p:cNvPr id="2" name="Title 1">
+            <a:extLst>
+              <a:ext uri="{FF2B5EF4-FFF2-40B4-BE49-F238E27FC236}">
+                <a16:creationId xmlns:a16="http://schemas.microsoft.com/office/drawing/2014/main" id="{75F4A25E-422A-4BCC-A91E-FFD8F3A66B6A}"/>
+              </a:ext>
+            </a:extLst>
+          </p:cNvPr>
+          <p:cNvSpPr>
+            <a:spLocks noGrp="1"/>
+          </p:cNvSpPr>
+          <p:nvPr>
+            <p:ph type="title"/>
+          </p:nvPr>
+        </p:nvSpPr>
+        <p:spPr/>
+        <p:txBody>
+          <a:bodyPr>
+            <a:normAutofit fontScale="90000"/>
+          </a:bodyPr>
+          <a:lstStyle/>
+          <a:p>
+            <a:r>
+              <a:rPr lang="en-US" dirty="0"/>
+              <a:t>Idea on how AI projects are executed vs tradition projects ?</a:t>
+            </a:r>
+            <a:endParaRPr lang="en-GB" dirty="0"/>
+          </a:p>
+        </p:txBody>
+      </p:sp>
+      <p:sp>
+        <p:nvSpPr>
+          <p:cNvPr id="3" name="Content Placeholder 2">
+            <a:extLst>
+              <a:ext uri="{FF2B5EF4-FFF2-40B4-BE49-F238E27FC236}">
+                <a16:creationId xmlns:a16="http://schemas.microsoft.com/office/drawing/2014/main" id="{4E92D195-4A4E-42CD-BF85-AFD05D695254}"/>
+              </a:ext>
+            </a:extLst>
+          </p:cNvPr>
+          <p:cNvSpPr>
+            <a:spLocks noGrp="1"/>
+          </p:cNvSpPr>
+          <p:nvPr>
+            <p:ph idx="1"/>
+          </p:nvPr>
+        </p:nvSpPr>
+        <p:spPr/>
+        <p:txBody>
+          <a:bodyPr/>
+          <a:lstStyle/>
+          <a:p>
+            <a:endParaRPr lang="en-GB"/>
+          </a:p>
+        </p:txBody>
+      </p:sp>
+    </p:spTree>
+    <p:extLst>
+      <p:ext uri="{BB962C8B-B14F-4D97-AF65-F5344CB8AC3E}">
+        <p14:creationId xmlns:p14="http://schemas.microsoft.com/office/powerpoint/2010/main" val="1224877705"/>
       </p:ext>
     </p:extLst>
   </p:cSld>
